--- a/Презентация  chat.pptx
+++ b/Презентация  chat.pptx
@@ -6,8 +6,8 @@
   </p:sldMasterIdLst>
   <p:sldIdLst>
     <p:sldId id="256" r:id="rId2"/>
-    <p:sldId id="257" r:id="rId3"/>
-    <p:sldId id="259" r:id="rId4"/>
+    <p:sldId id="259" r:id="rId3"/>
+    <p:sldId id="257" r:id="rId4"/>
     <p:sldId id="260" r:id="rId5"/>
   </p:sldIdLst>
   <p:sldSz cx="12192000" cy="6858000"/>
@@ -462,7 +462,7 @@
           <a:p>
             <a:fld id="{246D490F-C837-4E36-B0AD-0F34021185B5}" type="datetimeFigureOut">
               <a:rPr lang="ru-RU" smtClean="0"/>
-              <a:t>17.05.2023</a:t>
+              <a:t>18.05.2023</a:t>
             </a:fld>
             <a:endParaRPr lang="ru-RU"/>
           </a:p>
@@ -1550,7 +1550,7 @@
           <a:p>
             <a:fld id="{246D490F-C837-4E36-B0AD-0F34021185B5}" type="datetimeFigureOut">
               <a:rPr lang="ru-RU" smtClean="0"/>
-              <a:t>17.05.2023</a:t>
+              <a:t>18.05.2023</a:t>
             </a:fld>
             <a:endParaRPr lang="ru-RU"/>
           </a:p>
@@ -2530,7 +2530,7 @@
           <a:p>
             <a:fld id="{246D490F-C837-4E36-B0AD-0F34021185B5}" type="datetimeFigureOut">
               <a:rPr lang="ru-RU" smtClean="0"/>
-              <a:t>17.05.2023</a:t>
+              <a:t>18.05.2023</a:t>
             </a:fld>
             <a:endParaRPr lang="ru-RU"/>
           </a:p>
@@ -3664,7 +3664,7 @@
           <a:p>
             <a:fld id="{246D490F-C837-4E36-B0AD-0F34021185B5}" type="datetimeFigureOut">
               <a:rPr lang="ru-RU" smtClean="0"/>
-              <a:t>17.05.2023</a:t>
+              <a:t>18.05.2023</a:t>
             </a:fld>
             <a:endParaRPr lang="ru-RU"/>
           </a:p>
@@ -4697,7 +4697,7 @@
           <a:p>
             <a:fld id="{246D490F-C837-4E36-B0AD-0F34021185B5}" type="datetimeFigureOut">
               <a:rPr lang="ru-RU" smtClean="0"/>
-              <a:t>17.05.2023</a:t>
+              <a:t>18.05.2023</a:t>
             </a:fld>
             <a:endParaRPr lang="ru-RU"/>
           </a:p>
@@ -5357,7 +5357,7 @@
           <a:p>
             <a:fld id="{246D490F-C837-4E36-B0AD-0F34021185B5}" type="datetimeFigureOut">
               <a:rPr lang="ru-RU" smtClean="0"/>
-              <a:t>17.05.2023</a:t>
+              <a:t>18.05.2023</a:t>
             </a:fld>
             <a:endParaRPr lang="ru-RU"/>
           </a:p>
@@ -6218,7 +6218,7 @@
           <a:p>
             <a:fld id="{246D490F-C837-4E36-B0AD-0F34021185B5}" type="datetimeFigureOut">
               <a:rPr lang="ru-RU" smtClean="0"/>
-              <a:t>17.05.2023</a:t>
+              <a:t>18.05.2023</a:t>
             </a:fld>
             <a:endParaRPr lang="ru-RU"/>
           </a:p>
@@ -6408,7 +6408,7 @@
           <a:p>
             <a:fld id="{246D490F-C837-4E36-B0AD-0F34021185B5}" type="datetimeFigureOut">
               <a:rPr lang="ru-RU" smtClean="0"/>
-              <a:t>17.05.2023</a:t>
+              <a:t>18.05.2023</a:t>
             </a:fld>
             <a:endParaRPr lang="ru-RU"/>
           </a:p>
@@ -7380,7 +7380,7 @@
           <a:p>
             <a:fld id="{246D490F-C837-4E36-B0AD-0F34021185B5}" type="datetimeFigureOut">
               <a:rPr lang="ru-RU" smtClean="0"/>
-              <a:t>17.05.2023</a:t>
+              <a:t>18.05.2023</a:t>
             </a:fld>
             <a:endParaRPr lang="ru-RU"/>
           </a:p>
@@ -7591,7 +7591,7 @@
           <a:p>
             <a:fld id="{246D490F-C837-4E36-B0AD-0F34021185B5}" type="datetimeFigureOut">
               <a:rPr lang="ru-RU" smtClean="0"/>
-              <a:t>17.05.2023</a:t>
+              <a:t>18.05.2023</a:t>
             </a:fld>
             <a:endParaRPr lang="ru-RU"/>
           </a:p>
@@ -8625,7 +8625,7 @@
           <a:p>
             <a:fld id="{246D490F-C837-4E36-B0AD-0F34021185B5}" type="datetimeFigureOut">
               <a:rPr lang="ru-RU" smtClean="0"/>
-              <a:t>17.05.2023</a:t>
+              <a:t>18.05.2023</a:t>
             </a:fld>
             <a:endParaRPr lang="ru-RU"/>
           </a:p>
@@ -8897,7 +8897,7 @@
           <a:p>
             <a:fld id="{246D490F-C837-4E36-B0AD-0F34021185B5}" type="datetimeFigureOut">
               <a:rPr lang="ru-RU" smtClean="0"/>
-              <a:t>17.05.2023</a:t>
+              <a:t>18.05.2023</a:t>
             </a:fld>
             <a:endParaRPr lang="ru-RU"/>
           </a:p>
@@ -9307,7 +9307,7 @@
           <a:p>
             <a:fld id="{246D490F-C837-4E36-B0AD-0F34021185B5}" type="datetimeFigureOut">
               <a:rPr lang="ru-RU" smtClean="0"/>
-              <a:t>17.05.2023</a:t>
+              <a:t>18.05.2023</a:t>
             </a:fld>
             <a:endParaRPr lang="ru-RU"/>
           </a:p>
@@ -9434,7 +9434,7 @@
           <a:p>
             <a:fld id="{246D490F-C837-4E36-B0AD-0F34021185B5}" type="datetimeFigureOut">
               <a:rPr lang="ru-RU" smtClean="0"/>
-              <a:t>17.05.2023</a:t>
+              <a:t>18.05.2023</a:t>
             </a:fld>
             <a:endParaRPr lang="ru-RU"/>
           </a:p>
@@ -9529,7 +9529,7 @@
           <a:p>
             <a:fld id="{246D490F-C837-4E36-B0AD-0F34021185B5}" type="datetimeFigureOut">
               <a:rPr lang="ru-RU" smtClean="0"/>
-              <a:t>17.05.2023</a:t>
+              <a:t>18.05.2023</a:t>
             </a:fld>
             <a:endParaRPr lang="ru-RU"/>
           </a:p>
@@ -10610,7 +10610,7 @@
           <a:p>
             <a:fld id="{246D490F-C837-4E36-B0AD-0F34021185B5}" type="datetimeFigureOut">
               <a:rPr lang="ru-RU" smtClean="0"/>
-              <a:t>17.05.2023</a:t>
+              <a:t>18.05.2023</a:t>
             </a:fld>
             <a:endParaRPr lang="ru-RU"/>
           </a:p>
@@ -11718,7 +11718,7 @@
           <a:p>
             <a:fld id="{246D490F-C837-4E36-B0AD-0F34021185B5}" type="datetimeFigureOut">
               <a:rPr lang="ru-RU" smtClean="0"/>
-              <a:t>17.05.2023</a:t>
+              <a:t>18.05.2023</a:t>
             </a:fld>
             <a:endParaRPr lang="ru-RU"/>
           </a:p>
@@ -12715,7 +12715,7 @@
           <a:p>
             <a:fld id="{246D490F-C837-4E36-B0AD-0F34021185B5}" type="datetimeFigureOut">
               <a:rPr lang="ru-RU" smtClean="0"/>
-              <a:t>17.05.2023</a:t>
+              <a:t>18.05.2023</a:t>
             </a:fld>
             <a:endParaRPr lang="ru-RU"/>
           </a:p>
@@ -13520,6 +13520,516 @@
           <p:cNvPr id="2" name="Заголовок 1">
             <a:extLst>
               <a:ext uri="{FF2B5EF4-FFF2-40B4-BE49-F238E27FC236}">
+                <a16:creationId xmlns:a16="http://schemas.microsoft.com/office/drawing/2014/main" id="{FCDC9B1D-9E24-61A6-6867-2AB05D2C08B2}"/>
+              </a:ext>
+            </a:extLst>
+          </p:cNvPr>
+          <p:cNvSpPr>
+            <a:spLocks noGrp="1"/>
+          </p:cNvSpPr>
+          <p:nvPr>
+            <p:ph type="title"/>
+          </p:nvPr>
+        </p:nvSpPr>
+        <p:spPr/>
+        <p:txBody>
+          <a:bodyPr/>
+          <a:lstStyle/>
+          <a:p>
+            <a:r>
+              <a:rPr lang="ru-RU" dirty="0"/>
+              <a:t>Описание проекта</a:t>
+            </a:r>
+          </a:p>
+        </p:txBody>
+      </p:sp>
+      <p:sp>
+        <p:nvSpPr>
+          <p:cNvPr id="4" name="Текст 3">
+            <a:extLst>
+              <a:ext uri="{FF2B5EF4-FFF2-40B4-BE49-F238E27FC236}">
+                <a16:creationId xmlns:a16="http://schemas.microsoft.com/office/drawing/2014/main" id="{77AD7B85-2A31-BE2C-E51C-8BE754C9089C}"/>
+              </a:ext>
+            </a:extLst>
+          </p:cNvPr>
+          <p:cNvSpPr>
+            <a:spLocks noGrp="1"/>
+          </p:cNvSpPr>
+          <p:nvPr>
+            <p:ph type="body" sz="half" idx="2"/>
+          </p:nvPr>
+        </p:nvSpPr>
+        <p:spPr>
+          <a:xfrm>
+            <a:off x="1154954" y="3657599"/>
+            <a:ext cx="3859212" cy="1735667"/>
+          </a:xfrm>
+        </p:spPr>
+        <p:txBody>
+          <a:bodyPr>
+            <a:normAutofit/>
+          </a:bodyPr>
+          <a:lstStyle/>
+          <a:p>
+            <a:r>
+              <a:rPr lang="ru-RU" b="1" dirty="0"/>
+              <a:t>Программа использует </a:t>
+            </a:r>
+            <a:r>
+              <a:rPr lang="en-US" b="1" dirty="0"/>
+              <a:t>2</a:t>
+            </a:r>
+            <a:r>
+              <a:rPr lang="ru-RU" b="1" dirty="0"/>
+              <a:t> файла</a:t>
+            </a:r>
+            <a:r>
+              <a:rPr lang="en-US" b="1" dirty="0"/>
+              <a:t>. </a:t>
+            </a:r>
+            <a:endParaRPr lang="ru-RU" b="1" dirty="0"/>
+          </a:p>
+          <a:p>
+            <a:endParaRPr lang="en-US" b="1" dirty="0"/>
+          </a:p>
+          <a:p>
+            <a:r>
+              <a:rPr lang="ru-RU" b="1" u="sng" dirty="0"/>
+              <a:t>Серверную часть </a:t>
+            </a:r>
+            <a:endParaRPr lang="en-US" b="1" u="sng" dirty="0"/>
+          </a:p>
+          <a:p>
+            <a:r>
+              <a:rPr lang="en-US" b="1" dirty="0"/>
+              <a:t>and</a:t>
+            </a:r>
+          </a:p>
+          <a:p>
+            <a:r>
+              <a:rPr lang="ru-RU" b="1" u="sng" dirty="0"/>
+              <a:t>Пользовательскую часть</a:t>
+            </a:r>
+          </a:p>
+          <a:p>
+            <a:endParaRPr lang="ru-RU" dirty="0"/>
+          </a:p>
+        </p:txBody>
+      </p:sp>
+      <p:sp>
+        <p:nvSpPr>
+          <p:cNvPr id="5" name="Прямоугольник 4">
+            <a:extLst>
+              <a:ext uri="{FF2B5EF4-FFF2-40B4-BE49-F238E27FC236}">
+                <a16:creationId xmlns:a16="http://schemas.microsoft.com/office/drawing/2014/main" id="{A9A83E89-4677-60DB-6214-DD75317F44C0}"/>
+              </a:ext>
+            </a:extLst>
+          </p:cNvPr>
+          <p:cNvSpPr/>
+          <p:nvPr/>
+        </p:nvSpPr>
+        <p:spPr>
+          <a:xfrm>
+            <a:off x="6346613" y="1268504"/>
+            <a:ext cx="4778587" cy="4524315"/>
+          </a:xfrm>
+          <a:prstGeom prst="rect">
+            <a:avLst/>
+          </a:prstGeom>
+          <a:noFill/>
+          <a:effectLst>
+            <a:glow rad="228600">
+              <a:schemeClr val="accent1">
+                <a:satMod val="175000"/>
+                <a:alpha val="40000"/>
+              </a:schemeClr>
+            </a:glow>
+            <a:softEdge rad="1270000"/>
+          </a:effectLst>
+        </p:spPr>
+        <p:txBody>
+          <a:bodyPr wrap="square" lIns="91440" tIns="45720" rIns="91440" bIns="45720">
+            <a:spAutoFit/>
+          </a:bodyPr>
+          <a:lstStyle/>
+          <a:p>
+            <a:r>
+              <a:rPr lang="ru-RU" b="1" dirty="0">
+                <a:ln w="9525">
+                  <a:solidFill>
+                    <a:schemeClr val="bg1"/>
+                  </a:solidFill>
+                  <a:prstDash val="solid"/>
+                </a:ln>
+                <a:solidFill>
+                  <a:schemeClr val="accent6"/>
+                </a:solidFill>
+                <a:effectLst>
+                  <a:reflection stA="32000" endPos="65000" dist="50800" dir="5400000" sy="-100000" algn="bl" rotWithShape="0"/>
+                </a:effectLst>
+              </a:rPr>
+              <a:t>Проект создавался одним человеком</a:t>
+            </a:r>
+            <a:r>
+              <a:rPr lang="en-US" b="1" dirty="0">
+                <a:ln w="9525">
+                  <a:solidFill>
+                    <a:schemeClr val="bg1"/>
+                  </a:solidFill>
+                  <a:prstDash val="solid"/>
+                </a:ln>
+                <a:solidFill>
+                  <a:schemeClr val="accent6"/>
+                </a:solidFill>
+                <a:effectLst>
+                  <a:reflection stA="32000" endPos="65000" dist="50800" dir="5400000" sy="-100000" algn="bl" rotWithShape="0"/>
+                </a:effectLst>
+              </a:rPr>
+              <a:t>. </a:t>
+            </a:r>
+          </a:p>
+          <a:p>
+            <a:r>
+              <a:rPr lang="ru-RU" b="1" dirty="0">
+                <a:ln w="9525">
+                  <a:solidFill>
+                    <a:schemeClr val="bg1"/>
+                  </a:solidFill>
+                  <a:prstDash val="solid"/>
+                </a:ln>
+                <a:solidFill>
+                  <a:schemeClr val="accent6"/>
+                </a:solidFill>
+                <a:effectLst>
+                  <a:reflection stA="32000" endPos="65000" dist="50800" dir="5400000" sy="-100000" algn="bl" rotWithShape="0"/>
+                </a:effectLst>
+              </a:rPr>
+              <a:t>Написано более 1000 строк кода</a:t>
+            </a:r>
+            <a:r>
+              <a:rPr lang="en-US" b="1" dirty="0">
+                <a:ln w="9525">
+                  <a:solidFill>
+                    <a:schemeClr val="bg1"/>
+                  </a:solidFill>
+                  <a:prstDash val="solid"/>
+                </a:ln>
+                <a:solidFill>
+                  <a:schemeClr val="accent6"/>
+                </a:solidFill>
+                <a:effectLst>
+                  <a:reflection stA="32000" endPos="65000" dist="50800" dir="5400000" sy="-100000" algn="bl" rotWithShape="0"/>
+                </a:effectLst>
+              </a:rPr>
+              <a:t>.</a:t>
+            </a:r>
+            <a:endParaRPr lang="ru-RU" b="1" dirty="0">
+              <a:ln w="9525">
+                <a:solidFill>
+                  <a:schemeClr val="bg1"/>
+                </a:solidFill>
+                <a:prstDash val="solid"/>
+              </a:ln>
+              <a:solidFill>
+                <a:schemeClr val="accent6"/>
+              </a:solidFill>
+              <a:effectLst>
+                <a:reflection stA="32000" endPos="65000" dist="50800" dir="5400000" sy="-100000" algn="bl" rotWithShape="0"/>
+              </a:effectLst>
+            </a:endParaRPr>
+          </a:p>
+          <a:p>
+            <a:r>
+              <a:rPr lang="ru-RU" b="1" dirty="0">
+                <a:ln w="9525">
+                  <a:solidFill>
+                    <a:schemeClr val="bg1"/>
+                  </a:solidFill>
+                  <a:prstDash val="solid"/>
+                </a:ln>
+                <a:solidFill>
+                  <a:schemeClr val="accent6"/>
+                </a:solidFill>
+                <a:effectLst>
+                  <a:reflection stA="32000" endPos="65000" dist="50800" dir="5400000" sy="-100000" algn="bl" rotWithShape="0"/>
+                </a:effectLst>
+              </a:rPr>
+              <a:t>Используется примерно 5 библиотек</a:t>
+            </a:r>
+            <a:r>
+              <a:rPr lang="en-US" b="1" dirty="0">
+                <a:ln w="9525">
+                  <a:solidFill>
+                    <a:schemeClr val="bg1"/>
+                  </a:solidFill>
+                  <a:prstDash val="solid"/>
+                </a:ln>
+                <a:solidFill>
+                  <a:schemeClr val="accent6"/>
+                </a:solidFill>
+                <a:effectLst>
+                  <a:reflection stA="32000" endPos="65000" dist="50800" dir="5400000" sy="-100000" algn="bl" rotWithShape="0"/>
+                </a:effectLst>
+              </a:rPr>
+              <a:t>.</a:t>
+            </a:r>
+          </a:p>
+          <a:p>
+            <a:endParaRPr lang="ru-RU" b="1" dirty="0">
+              <a:ln w="9525">
+                <a:solidFill>
+                  <a:schemeClr val="bg1"/>
+                </a:solidFill>
+                <a:prstDash val="solid"/>
+              </a:ln>
+              <a:solidFill>
+                <a:schemeClr val="accent6"/>
+              </a:solidFill>
+              <a:effectLst>
+                <a:reflection stA="32000" endPos="65000" dist="50800" dir="5400000" sy="-100000" algn="bl" rotWithShape="0"/>
+              </a:effectLst>
+            </a:endParaRPr>
+          </a:p>
+          <a:p>
+            <a:r>
+              <a:rPr lang="ru-RU" b="1" dirty="0">
+                <a:ln w="9525">
+                  <a:solidFill>
+                    <a:schemeClr val="bg1"/>
+                  </a:solidFill>
+                  <a:prstDash val="solid"/>
+                </a:ln>
+                <a:solidFill>
+                  <a:schemeClr val="accent6"/>
+                </a:solidFill>
+                <a:effectLst>
+                  <a:reflection stA="32000" endPos="65000" dist="50800" dir="5400000" sy="-100000" algn="bl" rotWithShape="0"/>
+                </a:effectLst>
+              </a:rPr>
+              <a:t>Проект делался в минимализме чтобы не занимать много пространства на рабочем столе</a:t>
+            </a:r>
+            <a:r>
+              <a:rPr lang="en-US" b="1" dirty="0">
+                <a:ln w="9525">
+                  <a:solidFill>
+                    <a:schemeClr val="bg1"/>
+                  </a:solidFill>
+                  <a:prstDash val="solid"/>
+                </a:ln>
+                <a:solidFill>
+                  <a:schemeClr val="accent6"/>
+                </a:solidFill>
+                <a:effectLst>
+                  <a:reflection stA="32000" endPos="65000" dist="50800" dir="5400000" sy="-100000" algn="bl" rotWithShape="0"/>
+                </a:effectLst>
+              </a:rPr>
+              <a:t>.</a:t>
+            </a:r>
+            <a:endParaRPr lang="ru-RU" b="1" dirty="0">
+              <a:ln w="9525">
+                <a:solidFill>
+                  <a:schemeClr val="bg1"/>
+                </a:solidFill>
+                <a:prstDash val="solid"/>
+              </a:ln>
+              <a:solidFill>
+                <a:schemeClr val="accent6"/>
+              </a:solidFill>
+              <a:effectLst>
+                <a:reflection stA="32000" endPos="65000" dist="50800" dir="5400000" sy="-100000" algn="bl" rotWithShape="0"/>
+              </a:effectLst>
+            </a:endParaRPr>
+          </a:p>
+          <a:p>
+            <a:endParaRPr lang="ru-RU" b="1" dirty="0">
+              <a:ln w="9525">
+                <a:solidFill>
+                  <a:schemeClr val="bg1"/>
+                </a:solidFill>
+                <a:prstDash val="solid"/>
+              </a:ln>
+              <a:solidFill>
+                <a:schemeClr val="accent6"/>
+              </a:solidFill>
+              <a:effectLst>
+                <a:reflection stA="32000" endPos="65000" dist="50800" dir="5400000" sy="-100000" algn="bl" rotWithShape="0"/>
+              </a:effectLst>
+            </a:endParaRPr>
+          </a:p>
+          <a:p>
+            <a:r>
+              <a:rPr lang="ru-RU" b="1" dirty="0">
+                <a:ln w="9525">
+                  <a:solidFill>
+                    <a:schemeClr val="bg1"/>
+                  </a:solidFill>
+                  <a:prstDash val="solid"/>
+                </a:ln>
+                <a:solidFill>
+                  <a:schemeClr val="accent6"/>
+                </a:solidFill>
+                <a:effectLst>
+                  <a:reflection stA="32000" endPos="65000" dist="50800" dir="5400000" sy="-100000" algn="bl" rotWithShape="0"/>
+                </a:effectLst>
+              </a:rPr>
+              <a:t>Мессенджер использует для передачи данных </a:t>
+            </a:r>
+            <a:r>
+              <a:rPr lang="en-US" b="1" dirty="0" err="1">
+                <a:ln w="9525">
+                  <a:solidFill>
+                    <a:schemeClr val="bg1"/>
+                  </a:solidFill>
+                  <a:prstDash val="solid"/>
+                </a:ln>
+                <a:solidFill>
+                  <a:schemeClr val="accent6"/>
+                </a:solidFill>
+                <a:effectLst>
+                  <a:reflection stA="32000" endPos="65000" dist="50800" dir="5400000" sy="-100000" algn="bl" rotWithShape="0"/>
+                </a:effectLst>
+              </a:rPr>
+              <a:t>IpAddress</a:t>
+            </a:r>
+            <a:r>
+              <a:rPr lang="ru-RU" b="1" dirty="0">
+                <a:ln w="9525">
+                  <a:solidFill>
+                    <a:schemeClr val="bg1"/>
+                  </a:solidFill>
+                  <a:prstDash val="solid"/>
+                </a:ln>
+                <a:solidFill>
+                  <a:schemeClr val="accent6"/>
+                </a:solidFill>
+                <a:effectLst>
+                  <a:reflection stA="32000" endPos="65000" dist="50800" dir="5400000" sy="-100000" algn="bl" rotWithShape="0"/>
+                </a:effectLst>
+              </a:rPr>
+              <a:t>.</a:t>
+            </a:r>
+          </a:p>
+          <a:p>
+            <a:endParaRPr lang="ru-RU" b="1" dirty="0">
+              <a:ln w="9525">
+                <a:solidFill>
+                  <a:schemeClr val="bg1"/>
+                </a:solidFill>
+                <a:prstDash val="solid"/>
+              </a:ln>
+              <a:solidFill>
+                <a:schemeClr val="accent6"/>
+              </a:solidFill>
+              <a:effectLst>
+                <a:reflection stA="32000" endPos="65000" dist="50800" dir="5400000" sy="-100000" algn="bl" rotWithShape="0"/>
+              </a:effectLst>
+            </a:endParaRPr>
+          </a:p>
+          <a:p>
+            <a:r>
+              <a:rPr lang="ru-RU" b="1" dirty="0">
+                <a:ln w="9525">
+                  <a:solidFill>
+                    <a:schemeClr val="bg1"/>
+                  </a:solidFill>
+                  <a:prstDash val="solid"/>
+                </a:ln>
+                <a:solidFill>
+                  <a:schemeClr val="accent6"/>
+                </a:solidFill>
+                <a:effectLst>
+                  <a:reflection stA="32000" endPos="65000" dist="50800" dir="5400000" sy="-100000" algn="bl" rotWithShape="0"/>
+                </a:effectLst>
+              </a:rPr>
+              <a:t>Присутствует смена цветовой палитры для мессенджера</a:t>
+            </a:r>
+          </a:p>
+          <a:p>
+            <a:endParaRPr lang="ru-RU" b="1" dirty="0">
+              <a:ln w="9525">
+                <a:solidFill>
+                  <a:schemeClr val="bg1"/>
+                </a:solidFill>
+                <a:prstDash val="solid"/>
+              </a:ln>
+              <a:solidFill>
+                <a:schemeClr val="accent6"/>
+              </a:solidFill>
+              <a:effectLst>
+                <a:reflection stA="32000" endPos="65000" dist="50800" dir="5400000" sy="-100000" algn="bl" rotWithShape="0"/>
+              </a:effectLst>
+            </a:endParaRPr>
+          </a:p>
+          <a:p>
+            <a:endParaRPr lang="ru-RU" b="1" dirty="0">
+              <a:ln w="9525">
+                <a:solidFill>
+                  <a:schemeClr val="bg1"/>
+                </a:solidFill>
+                <a:prstDash val="solid"/>
+              </a:ln>
+              <a:solidFill>
+                <a:schemeClr val="accent6"/>
+              </a:solidFill>
+              <a:effectLst>
+                <a:reflection stA="32000" endPos="65000" dist="50800" dir="5400000" sy="-100000" algn="bl" rotWithShape="0"/>
+              </a:effectLst>
+            </a:endParaRPr>
+          </a:p>
+          <a:p>
+            <a:pPr algn="ctr"/>
+            <a:endParaRPr lang="ru-RU" b="1" cap="none" spc="0" dirty="0">
+              <a:ln w="9525">
+                <a:solidFill>
+                  <a:schemeClr val="bg1"/>
+                </a:solidFill>
+                <a:prstDash val="solid"/>
+              </a:ln>
+              <a:solidFill>
+                <a:schemeClr val="accent6"/>
+              </a:solidFill>
+              <a:effectLst>
+                <a:reflection stA="32000" endPos="65000" dist="50800" dir="5400000" sy="-100000" algn="bl" rotWithShape="0"/>
+              </a:effectLst>
+            </a:endParaRPr>
+          </a:p>
+        </p:txBody>
+      </p:sp>
+    </p:spTree>
+    <p:extLst>
+      <p:ext uri="{BB962C8B-B14F-4D97-AF65-F5344CB8AC3E}">
+        <p14:creationId xmlns:p14="http://schemas.microsoft.com/office/powerpoint/2010/main" val="2235532552"/>
+      </p:ext>
+    </p:extLst>
+  </p:cSld>
+  <p:clrMapOvr>
+    <a:masterClrMapping/>
+  </p:clrMapOvr>
+</p:sld>
+</file>
+
+<file path=ppt/slides/slide3.xml><?xml version="1.0" encoding="utf-8"?>
+<p:sld xmlns:a="http://schemas.openxmlformats.org/drawingml/2006/main" xmlns:r="http://schemas.openxmlformats.org/officeDocument/2006/relationships" xmlns:p="http://schemas.openxmlformats.org/presentationml/2006/main">
+  <p:cSld>
+    <p:spTree>
+      <p:nvGrpSpPr>
+        <p:cNvPr id="1" name=""/>
+        <p:cNvGrpSpPr/>
+        <p:nvPr/>
+      </p:nvGrpSpPr>
+      <p:grpSpPr>
+        <a:xfrm>
+          <a:off x="0" y="0"/>
+          <a:ext cx="0" cy="0"/>
+          <a:chOff x="0" y="0"/>
+          <a:chExt cx="0" cy="0"/>
+        </a:xfrm>
+      </p:grpSpPr>
+      <p:sp>
+        <p:nvSpPr>
+          <p:cNvPr id="2" name="Заголовок 1">
+            <a:extLst>
+              <a:ext uri="{FF2B5EF4-FFF2-40B4-BE49-F238E27FC236}">
                 <a16:creationId xmlns:a16="http://schemas.microsoft.com/office/drawing/2014/main" id="{C441A07A-2957-A999-F3F0-DABC336265A1}"/>
               </a:ext>
             </a:extLst>
@@ -13843,516 +14353,6 @@
     <p:extLst>
       <p:ext uri="{BB962C8B-B14F-4D97-AF65-F5344CB8AC3E}">
         <p14:creationId xmlns:p14="http://schemas.microsoft.com/office/powerpoint/2010/main" val="1511647137"/>
-      </p:ext>
-    </p:extLst>
-  </p:cSld>
-  <p:clrMapOvr>
-    <a:masterClrMapping/>
-  </p:clrMapOvr>
-</p:sld>
-</file>
-
-<file path=ppt/slides/slide3.xml><?xml version="1.0" encoding="utf-8"?>
-<p:sld xmlns:a="http://schemas.openxmlformats.org/drawingml/2006/main" xmlns:r="http://schemas.openxmlformats.org/officeDocument/2006/relationships" xmlns:p="http://schemas.openxmlformats.org/presentationml/2006/main">
-  <p:cSld>
-    <p:spTree>
-      <p:nvGrpSpPr>
-        <p:cNvPr id="1" name=""/>
-        <p:cNvGrpSpPr/>
-        <p:nvPr/>
-      </p:nvGrpSpPr>
-      <p:grpSpPr>
-        <a:xfrm>
-          <a:off x="0" y="0"/>
-          <a:ext cx="0" cy="0"/>
-          <a:chOff x="0" y="0"/>
-          <a:chExt cx="0" cy="0"/>
-        </a:xfrm>
-      </p:grpSpPr>
-      <p:sp>
-        <p:nvSpPr>
-          <p:cNvPr id="2" name="Заголовок 1">
-            <a:extLst>
-              <a:ext uri="{FF2B5EF4-FFF2-40B4-BE49-F238E27FC236}">
-                <a16:creationId xmlns:a16="http://schemas.microsoft.com/office/drawing/2014/main" id="{FCDC9B1D-9E24-61A6-6867-2AB05D2C08B2}"/>
-              </a:ext>
-            </a:extLst>
-          </p:cNvPr>
-          <p:cNvSpPr>
-            <a:spLocks noGrp="1"/>
-          </p:cNvSpPr>
-          <p:nvPr>
-            <p:ph type="title"/>
-          </p:nvPr>
-        </p:nvSpPr>
-        <p:spPr/>
-        <p:txBody>
-          <a:bodyPr/>
-          <a:lstStyle/>
-          <a:p>
-            <a:r>
-              <a:rPr lang="ru-RU" dirty="0"/>
-              <a:t>Описание проекта</a:t>
-            </a:r>
-          </a:p>
-        </p:txBody>
-      </p:sp>
-      <p:sp>
-        <p:nvSpPr>
-          <p:cNvPr id="4" name="Текст 3">
-            <a:extLst>
-              <a:ext uri="{FF2B5EF4-FFF2-40B4-BE49-F238E27FC236}">
-                <a16:creationId xmlns:a16="http://schemas.microsoft.com/office/drawing/2014/main" id="{77AD7B85-2A31-BE2C-E51C-8BE754C9089C}"/>
-              </a:ext>
-            </a:extLst>
-          </p:cNvPr>
-          <p:cNvSpPr>
-            <a:spLocks noGrp="1"/>
-          </p:cNvSpPr>
-          <p:nvPr>
-            <p:ph type="body" sz="half" idx="2"/>
-          </p:nvPr>
-        </p:nvSpPr>
-        <p:spPr>
-          <a:xfrm>
-            <a:off x="1154954" y="3657599"/>
-            <a:ext cx="3859212" cy="1735667"/>
-          </a:xfrm>
-        </p:spPr>
-        <p:txBody>
-          <a:bodyPr>
-            <a:normAutofit/>
-          </a:bodyPr>
-          <a:lstStyle/>
-          <a:p>
-            <a:r>
-              <a:rPr lang="ru-RU" b="1" dirty="0"/>
-              <a:t>Программа использует </a:t>
-            </a:r>
-            <a:r>
-              <a:rPr lang="en-US" b="1" dirty="0"/>
-              <a:t>2</a:t>
-            </a:r>
-            <a:r>
-              <a:rPr lang="ru-RU" b="1" dirty="0"/>
-              <a:t> файла</a:t>
-            </a:r>
-            <a:r>
-              <a:rPr lang="en-US" b="1" dirty="0"/>
-              <a:t>. </a:t>
-            </a:r>
-            <a:endParaRPr lang="ru-RU" b="1" dirty="0"/>
-          </a:p>
-          <a:p>
-            <a:endParaRPr lang="en-US" b="1" dirty="0"/>
-          </a:p>
-          <a:p>
-            <a:r>
-              <a:rPr lang="ru-RU" b="1" u="sng" dirty="0"/>
-              <a:t>Серверную часть </a:t>
-            </a:r>
-            <a:endParaRPr lang="en-US" b="1" u="sng" dirty="0"/>
-          </a:p>
-          <a:p>
-            <a:r>
-              <a:rPr lang="en-US" b="1" dirty="0"/>
-              <a:t>and</a:t>
-            </a:r>
-          </a:p>
-          <a:p>
-            <a:r>
-              <a:rPr lang="ru-RU" b="1" u="sng" dirty="0"/>
-              <a:t>Пользовательскую часть</a:t>
-            </a:r>
-          </a:p>
-          <a:p>
-            <a:endParaRPr lang="ru-RU" dirty="0"/>
-          </a:p>
-        </p:txBody>
-      </p:sp>
-      <p:sp>
-        <p:nvSpPr>
-          <p:cNvPr id="5" name="Прямоугольник 4">
-            <a:extLst>
-              <a:ext uri="{FF2B5EF4-FFF2-40B4-BE49-F238E27FC236}">
-                <a16:creationId xmlns:a16="http://schemas.microsoft.com/office/drawing/2014/main" id="{A9A83E89-4677-60DB-6214-DD75317F44C0}"/>
-              </a:ext>
-            </a:extLst>
-          </p:cNvPr>
-          <p:cNvSpPr/>
-          <p:nvPr/>
-        </p:nvSpPr>
-        <p:spPr>
-          <a:xfrm>
-            <a:off x="6346613" y="1268504"/>
-            <a:ext cx="4778587" cy="4524315"/>
-          </a:xfrm>
-          <a:prstGeom prst="rect">
-            <a:avLst/>
-          </a:prstGeom>
-          <a:noFill/>
-          <a:effectLst>
-            <a:glow rad="228600">
-              <a:schemeClr val="accent1">
-                <a:satMod val="175000"/>
-                <a:alpha val="40000"/>
-              </a:schemeClr>
-            </a:glow>
-            <a:softEdge rad="1270000"/>
-          </a:effectLst>
-        </p:spPr>
-        <p:txBody>
-          <a:bodyPr wrap="square" lIns="91440" tIns="45720" rIns="91440" bIns="45720">
-            <a:spAutoFit/>
-          </a:bodyPr>
-          <a:lstStyle/>
-          <a:p>
-            <a:r>
-              <a:rPr lang="ru-RU" b="1" dirty="0">
-                <a:ln w="9525">
-                  <a:solidFill>
-                    <a:schemeClr val="bg1"/>
-                  </a:solidFill>
-                  <a:prstDash val="solid"/>
-                </a:ln>
-                <a:solidFill>
-                  <a:schemeClr val="accent6"/>
-                </a:solidFill>
-                <a:effectLst>
-                  <a:reflection stA="32000" endPos="65000" dist="50800" dir="5400000" sy="-100000" algn="bl" rotWithShape="0"/>
-                </a:effectLst>
-              </a:rPr>
-              <a:t>Проект создавался одним человеком</a:t>
-            </a:r>
-            <a:r>
-              <a:rPr lang="en-US" b="1" dirty="0">
-                <a:ln w="9525">
-                  <a:solidFill>
-                    <a:schemeClr val="bg1"/>
-                  </a:solidFill>
-                  <a:prstDash val="solid"/>
-                </a:ln>
-                <a:solidFill>
-                  <a:schemeClr val="accent6"/>
-                </a:solidFill>
-                <a:effectLst>
-                  <a:reflection stA="32000" endPos="65000" dist="50800" dir="5400000" sy="-100000" algn="bl" rotWithShape="0"/>
-                </a:effectLst>
-              </a:rPr>
-              <a:t>. </a:t>
-            </a:r>
-          </a:p>
-          <a:p>
-            <a:r>
-              <a:rPr lang="ru-RU" b="1" dirty="0">
-                <a:ln w="9525">
-                  <a:solidFill>
-                    <a:schemeClr val="bg1"/>
-                  </a:solidFill>
-                  <a:prstDash val="solid"/>
-                </a:ln>
-                <a:solidFill>
-                  <a:schemeClr val="accent6"/>
-                </a:solidFill>
-                <a:effectLst>
-                  <a:reflection stA="32000" endPos="65000" dist="50800" dir="5400000" sy="-100000" algn="bl" rotWithShape="0"/>
-                </a:effectLst>
-              </a:rPr>
-              <a:t>Написано более 1000 строк кода</a:t>
-            </a:r>
-            <a:r>
-              <a:rPr lang="en-US" b="1" dirty="0">
-                <a:ln w="9525">
-                  <a:solidFill>
-                    <a:schemeClr val="bg1"/>
-                  </a:solidFill>
-                  <a:prstDash val="solid"/>
-                </a:ln>
-                <a:solidFill>
-                  <a:schemeClr val="accent6"/>
-                </a:solidFill>
-                <a:effectLst>
-                  <a:reflection stA="32000" endPos="65000" dist="50800" dir="5400000" sy="-100000" algn="bl" rotWithShape="0"/>
-                </a:effectLst>
-              </a:rPr>
-              <a:t>.</a:t>
-            </a:r>
-            <a:endParaRPr lang="ru-RU" b="1" dirty="0">
-              <a:ln w="9525">
-                <a:solidFill>
-                  <a:schemeClr val="bg1"/>
-                </a:solidFill>
-                <a:prstDash val="solid"/>
-              </a:ln>
-              <a:solidFill>
-                <a:schemeClr val="accent6"/>
-              </a:solidFill>
-              <a:effectLst>
-                <a:reflection stA="32000" endPos="65000" dist="50800" dir="5400000" sy="-100000" algn="bl" rotWithShape="0"/>
-              </a:effectLst>
-            </a:endParaRPr>
-          </a:p>
-          <a:p>
-            <a:r>
-              <a:rPr lang="ru-RU" b="1" dirty="0">
-                <a:ln w="9525">
-                  <a:solidFill>
-                    <a:schemeClr val="bg1"/>
-                  </a:solidFill>
-                  <a:prstDash val="solid"/>
-                </a:ln>
-                <a:solidFill>
-                  <a:schemeClr val="accent6"/>
-                </a:solidFill>
-                <a:effectLst>
-                  <a:reflection stA="32000" endPos="65000" dist="50800" dir="5400000" sy="-100000" algn="bl" rotWithShape="0"/>
-                </a:effectLst>
-              </a:rPr>
-              <a:t>Используется примерно 5 библиотек</a:t>
-            </a:r>
-            <a:r>
-              <a:rPr lang="en-US" b="1" dirty="0">
-                <a:ln w="9525">
-                  <a:solidFill>
-                    <a:schemeClr val="bg1"/>
-                  </a:solidFill>
-                  <a:prstDash val="solid"/>
-                </a:ln>
-                <a:solidFill>
-                  <a:schemeClr val="accent6"/>
-                </a:solidFill>
-                <a:effectLst>
-                  <a:reflection stA="32000" endPos="65000" dist="50800" dir="5400000" sy="-100000" algn="bl" rotWithShape="0"/>
-                </a:effectLst>
-              </a:rPr>
-              <a:t>.</a:t>
-            </a:r>
-          </a:p>
-          <a:p>
-            <a:endParaRPr lang="ru-RU" b="1" dirty="0">
-              <a:ln w="9525">
-                <a:solidFill>
-                  <a:schemeClr val="bg1"/>
-                </a:solidFill>
-                <a:prstDash val="solid"/>
-              </a:ln>
-              <a:solidFill>
-                <a:schemeClr val="accent6"/>
-              </a:solidFill>
-              <a:effectLst>
-                <a:reflection stA="32000" endPos="65000" dist="50800" dir="5400000" sy="-100000" algn="bl" rotWithShape="0"/>
-              </a:effectLst>
-            </a:endParaRPr>
-          </a:p>
-          <a:p>
-            <a:r>
-              <a:rPr lang="ru-RU" b="1" dirty="0">
-                <a:ln w="9525">
-                  <a:solidFill>
-                    <a:schemeClr val="bg1"/>
-                  </a:solidFill>
-                  <a:prstDash val="solid"/>
-                </a:ln>
-                <a:solidFill>
-                  <a:schemeClr val="accent6"/>
-                </a:solidFill>
-                <a:effectLst>
-                  <a:reflection stA="32000" endPos="65000" dist="50800" dir="5400000" sy="-100000" algn="bl" rotWithShape="0"/>
-                </a:effectLst>
-              </a:rPr>
-              <a:t>Проект делался в минимализме чтобы не занимать много пространства на рабочем столе</a:t>
-            </a:r>
-            <a:r>
-              <a:rPr lang="en-US" b="1" dirty="0">
-                <a:ln w="9525">
-                  <a:solidFill>
-                    <a:schemeClr val="bg1"/>
-                  </a:solidFill>
-                  <a:prstDash val="solid"/>
-                </a:ln>
-                <a:solidFill>
-                  <a:schemeClr val="accent6"/>
-                </a:solidFill>
-                <a:effectLst>
-                  <a:reflection stA="32000" endPos="65000" dist="50800" dir="5400000" sy="-100000" algn="bl" rotWithShape="0"/>
-                </a:effectLst>
-              </a:rPr>
-              <a:t>.</a:t>
-            </a:r>
-            <a:endParaRPr lang="ru-RU" b="1" dirty="0">
-              <a:ln w="9525">
-                <a:solidFill>
-                  <a:schemeClr val="bg1"/>
-                </a:solidFill>
-                <a:prstDash val="solid"/>
-              </a:ln>
-              <a:solidFill>
-                <a:schemeClr val="accent6"/>
-              </a:solidFill>
-              <a:effectLst>
-                <a:reflection stA="32000" endPos="65000" dist="50800" dir="5400000" sy="-100000" algn="bl" rotWithShape="0"/>
-              </a:effectLst>
-            </a:endParaRPr>
-          </a:p>
-          <a:p>
-            <a:endParaRPr lang="ru-RU" b="1" dirty="0">
-              <a:ln w="9525">
-                <a:solidFill>
-                  <a:schemeClr val="bg1"/>
-                </a:solidFill>
-                <a:prstDash val="solid"/>
-              </a:ln>
-              <a:solidFill>
-                <a:schemeClr val="accent6"/>
-              </a:solidFill>
-              <a:effectLst>
-                <a:reflection stA="32000" endPos="65000" dist="50800" dir="5400000" sy="-100000" algn="bl" rotWithShape="0"/>
-              </a:effectLst>
-            </a:endParaRPr>
-          </a:p>
-          <a:p>
-            <a:r>
-              <a:rPr lang="ru-RU" b="1" dirty="0">
-                <a:ln w="9525">
-                  <a:solidFill>
-                    <a:schemeClr val="bg1"/>
-                  </a:solidFill>
-                  <a:prstDash val="solid"/>
-                </a:ln>
-                <a:solidFill>
-                  <a:schemeClr val="accent6"/>
-                </a:solidFill>
-                <a:effectLst>
-                  <a:reflection stA="32000" endPos="65000" dist="50800" dir="5400000" sy="-100000" algn="bl" rotWithShape="0"/>
-                </a:effectLst>
-              </a:rPr>
-              <a:t>Мессенджер использует для передачи данных </a:t>
-            </a:r>
-            <a:r>
-              <a:rPr lang="en-US" b="1" dirty="0" err="1">
-                <a:ln w="9525">
-                  <a:solidFill>
-                    <a:schemeClr val="bg1"/>
-                  </a:solidFill>
-                  <a:prstDash val="solid"/>
-                </a:ln>
-                <a:solidFill>
-                  <a:schemeClr val="accent6"/>
-                </a:solidFill>
-                <a:effectLst>
-                  <a:reflection stA="32000" endPos="65000" dist="50800" dir="5400000" sy="-100000" algn="bl" rotWithShape="0"/>
-                </a:effectLst>
-              </a:rPr>
-              <a:t>IpAddress</a:t>
-            </a:r>
-            <a:r>
-              <a:rPr lang="ru-RU" b="1" dirty="0">
-                <a:ln w="9525">
-                  <a:solidFill>
-                    <a:schemeClr val="bg1"/>
-                  </a:solidFill>
-                  <a:prstDash val="solid"/>
-                </a:ln>
-                <a:solidFill>
-                  <a:schemeClr val="accent6"/>
-                </a:solidFill>
-                <a:effectLst>
-                  <a:reflection stA="32000" endPos="65000" dist="50800" dir="5400000" sy="-100000" algn="bl" rotWithShape="0"/>
-                </a:effectLst>
-              </a:rPr>
-              <a:t>.</a:t>
-            </a:r>
-          </a:p>
-          <a:p>
-            <a:endParaRPr lang="ru-RU" b="1" dirty="0">
-              <a:ln w="9525">
-                <a:solidFill>
-                  <a:schemeClr val="bg1"/>
-                </a:solidFill>
-                <a:prstDash val="solid"/>
-              </a:ln>
-              <a:solidFill>
-                <a:schemeClr val="accent6"/>
-              </a:solidFill>
-              <a:effectLst>
-                <a:reflection stA="32000" endPos="65000" dist="50800" dir="5400000" sy="-100000" algn="bl" rotWithShape="0"/>
-              </a:effectLst>
-            </a:endParaRPr>
-          </a:p>
-          <a:p>
-            <a:r>
-              <a:rPr lang="ru-RU" b="1" dirty="0">
-                <a:ln w="9525">
-                  <a:solidFill>
-                    <a:schemeClr val="bg1"/>
-                  </a:solidFill>
-                  <a:prstDash val="solid"/>
-                </a:ln>
-                <a:solidFill>
-                  <a:schemeClr val="accent6"/>
-                </a:solidFill>
-                <a:effectLst>
-                  <a:reflection stA="32000" endPos="65000" dist="50800" dir="5400000" sy="-100000" algn="bl" rotWithShape="0"/>
-                </a:effectLst>
-              </a:rPr>
-              <a:t>Присутствует смена цветовой палитры для мессенджера</a:t>
-            </a:r>
-          </a:p>
-          <a:p>
-            <a:endParaRPr lang="ru-RU" b="1" dirty="0">
-              <a:ln w="9525">
-                <a:solidFill>
-                  <a:schemeClr val="bg1"/>
-                </a:solidFill>
-                <a:prstDash val="solid"/>
-              </a:ln>
-              <a:solidFill>
-                <a:schemeClr val="accent6"/>
-              </a:solidFill>
-              <a:effectLst>
-                <a:reflection stA="32000" endPos="65000" dist="50800" dir="5400000" sy="-100000" algn="bl" rotWithShape="0"/>
-              </a:effectLst>
-            </a:endParaRPr>
-          </a:p>
-          <a:p>
-            <a:endParaRPr lang="ru-RU" b="1" dirty="0">
-              <a:ln w="9525">
-                <a:solidFill>
-                  <a:schemeClr val="bg1"/>
-                </a:solidFill>
-                <a:prstDash val="solid"/>
-              </a:ln>
-              <a:solidFill>
-                <a:schemeClr val="accent6"/>
-              </a:solidFill>
-              <a:effectLst>
-                <a:reflection stA="32000" endPos="65000" dist="50800" dir="5400000" sy="-100000" algn="bl" rotWithShape="0"/>
-              </a:effectLst>
-            </a:endParaRPr>
-          </a:p>
-          <a:p>
-            <a:pPr algn="ctr"/>
-            <a:endParaRPr lang="ru-RU" b="1" cap="none" spc="0" dirty="0">
-              <a:ln w="9525">
-                <a:solidFill>
-                  <a:schemeClr val="bg1"/>
-                </a:solidFill>
-                <a:prstDash val="solid"/>
-              </a:ln>
-              <a:solidFill>
-                <a:schemeClr val="accent6"/>
-              </a:solidFill>
-              <a:effectLst>
-                <a:reflection stA="32000" endPos="65000" dist="50800" dir="5400000" sy="-100000" algn="bl" rotWithShape="0"/>
-              </a:effectLst>
-            </a:endParaRPr>
-          </a:p>
-        </p:txBody>
-      </p:sp>
-    </p:spTree>
-    <p:extLst>
-      <p:ext uri="{BB962C8B-B14F-4D97-AF65-F5344CB8AC3E}">
-        <p14:creationId xmlns:p14="http://schemas.microsoft.com/office/powerpoint/2010/main" val="2235532552"/>
       </p:ext>
     </p:extLst>
   </p:cSld>
